--- a/剛性計算用ソリッドモデル.pptx
+++ b/剛性計算用ソリッドモデル.pptx
@@ -5,11 +5,12 @@
     <p:sldMasterId id="2147483648" r:id="rId1"/>
   </p:sldMasterIdLst>
   <p:notesMasterIdLst>
-    <p:notesMasterId r:id="rId4"/>
+    <p:notesMasterId r:id="rId5"/>
   </p:notesMasterIdLst>
   <p:sldIdLst>
-    <p:sldId id="359" r:id="rId2"/>
-    <p:sldId id="360" r:id="rId3"/>
+    <p:sldId id="361" r:id="rId2"/>
+    <p:sldId id="359" r:id="rId3"/>
+    <p:sldId id="360" r:id="rId4"/>
   </p:sldIdLst>
   <p:sldSz cx="12192000" cy="6858000"/>
   <p:notesSz cx="6858000" cy="9144000"/>
@@ -108,6 +109,11 @@
       </a:defRPr>
     </a:lvl9pPr>
   </p:defaultTextStyle>
+  <p:extLst>
+    <p:ext uri="{EFAFB233-063F-42B5-8137-9DF3F51BA10A}">
+      <p15:sldGuideLst xmlns:p15="http://schemas.microsoft.com/office/powerpoint/2012/main"/>
+    </p:ext>
+  </p:extLst>
 </p:presentation>
 </file>
 
@@ -193,7 +199,7 @@
           <a:p>
             <a:fld id="{EDFC2F0E-94A4-4BAC-960E-9D8383AAFDB5}" type="datetimeFigureOut">
               <a:rPr kumimoji="1" lang="ja-JP" altLang="en-US" smtClean="0"/>
-              <a:t>2021/7/26</a:t>
+              <a:t>2021/7/27</a:t>
             </a:fld>
             <a:endParaRPr kumimoji="1" lang="ja-JP" altLang="en-US"/>
           </a:p>
@@ -536,6 +542,19 @@
           <a:bodyPr/>
           <a:lstStyle/>
           <a:p>
+            <a:r>
+              <a:rPr kumimoji="1" lang="en-US" altLang="ja-JP" dirty="0" smtClean="0"/>
+              <a:t>Create point extract</a:t>
+            </a:r>
+          </a:p>
+          <a:p>
+            <a:r>
+              <a:rPr lang="en-US" altLang="ja-JP" dirty="0" smtClean="0"/>
+              <a:t>Edit Curve break</a:t>
+            </a:r>
+            <a:endParaRPr kumimoji="1" lang="ja-JP" altLang="en-US" dirty="0" smtClean="0"/>
+          </a:p>
+          <a:p>
             <a:endParaRPr kumimoji="1" lang="ja-JP" altLang="en-US" dirty="0"/>
           </a:p>
         </p:txBody>
@@ -557,7 +576,7 @@
           <a:p>
             <a:fld id="{32F8CD72-1B1F-4D42-964E-B88EBCDC0F29}" type="slidenum">
               <a:rPr kumimoji="1" lang="ja-JP" altLang="en-US" smtClean="0"/>
-              <a:t>1</a:t>
+              <a:t>2</a:t>
             </a:fld>
             <a:endParaRPr kumimoji="1" lang="ja-JP" altLang="en-US"/>
           </a:p>
@@ -723,7 +742,7 @@
           <a:p>
             <a:fld id="{0717009A-FA0D-4ECA-964B-28F7A3BF0A5C}" type="datetimeFigureOut">
               <a:rPr kumimoji="1" lang="ja-JP" altLang="en-US" smtClean="0"/>
-              <a:t>2021/7/26</a:t>
+              <a:t>2021/7/27</a:t>
             </a:fld>
             <a:endParaRPr kumimoji="1" lang="ja-JP" altLang="en-US"/>
           </a:p>
@@ -953,7 +972,7 @@
           <a:p>
             <a:fld id="{0717009A-FA0D-4ECA-964B-28F7A3BF0A5C}" type="datetimeFigureOut">
               <a:rPr kumimoji="1" lang="ja-JP" altLang="en-US" smtClean="0"/>
-              <a:t>2021/7/26</a:t>
+              <a:t>2021/7/27</a:t>
             </a:fld>
             <a:endParaRPr kumimoji="1" lang="ja-JP" altLang="en-US"/>
           </a:p>
@@ -1193,7 +1212,7 @@
           <a:p>
             <a:fld id="{0717009A-FA0D-4ECA-964B-28F7A3BF0A5C}" type="datetimeFigureOut">
               <a:rPr kumimoji="1" lang="ja-JP" altLang="en-US" smtClean="0"/>
-              <a:t>2021/7/26</a:t>
+              <a:t>2021/7/27</a:t>
             </a:fld>
             <a:endParaRPr kumimoji="1" lang="ja-JP" altLang="en-US"/>
           </a:p>
@@ -1423,7 +1442,7 @@
           <a:p>
             <a:fld id="{0717009A-FA0D-4ECA-964B-28F7A3BF0A5C}" type="datetimeFigureOut">
               <a:rPr kumimoji="1" lang="ja-JP" altLang="en-US" smtClean="0"/>
-              <a:t>2021/7/26</a:t>
+              <a:t>2021/7/27</a:t>
             </a:fld>
             <a:endParaRPr kumimoji="1" lang="ja-JP" altLang="en-US"/>
           </a:p>
@@ -1698,7 +1717,7 @@
           <a:p>
             <a:fld id="{0717009A-FA0D-4ECA-964B-28F7A3BF0A5C}" type="datetimeFigureOut">
               <a:rPr kumimoji="1" lang="ja-JP" altLang="en-US" smtClean="0"/>
-              <a:t>2021/7/26</a:t>
+              <a:t>2021/7/27</a:t>
             </a:fld>
             <a:endParaRPr kumimoji="1" lang="ja-JP" altLang="en-US"/>
           </a:p>
@@ -2027,7 +2046,7 @@
           <a:p>
             <a:fld id="{0717009A-FA0D-4ECA-964B-28F7A3BF0A5C}" type="datetimeFigureOut">
               <a:rPr kumimoji="1" lang="ja-JP" altLang="en-US" smtClean="0"/>
-              <a:t>2021/7/26</a:t>
+              <a:t>2021/7/27</a:t>
             </a:fld>
             <a:endParaRPr kumimoji="1" lang="ja-JP" altLang="en-US"/>
           </a:p>
@@ -2503,7 +2522,7 @@
           <a:p>
             <a:fld id="{0717009A-FA0D-4ECA-964B-28F7A3BF0A5C}" type="datetimeFigureOut">
               <a:rPr kumimoji="1" lang="ja-JP" altLang="en-US" smtClean="0"/>
-              <a:t>2021/7/26</a:t>
+              <a:t>2021/7/27</a:t>
             </a:fld>
             <a:endParaRPr kumimoji="1" lang="ja-JP" altLang="en-US"/>
           </a:p>
@@ -2644,7 +2663,7 @@
           <a:p>
             <a:fld id="{0717009A-FA0D-4ECA-964B-28F7A3BF0A5C}" type="datetimeFigureOut">
               <a:rPr kumimoji="1" lang="ja-JP" altLang="en-US" smtClean="0"/>
-              <a:t>2021/7/26</a:t>
+              <a:t>2021/7/27</a:t>
             </a:fld>
             <a:endParaRPr kumimoji="1" lang="ja-JP" altLang="en-US"/>
           </a:p>
@@ -2757,7 +2776,7 @@
           <a:p>
             <a:fld id="{0717009A-FA0D-4ECA-964B-28F7A3BF0A5C}" type="datetimeFigureOut">
               <a:rPr kumimoji="1" lang="ja-JP" altLang="en-US" smtClean="0"/>
-              <a:t>2021/7/26</a:t>
+              <a:t>2021/7/27</a:t>
             </a:fld>
             <a:endParaRPr kumimoji="1" lang="ja-JP" altLang="en-US"/>
           </a:p>
@@ -3100,7 +3119,7 @@
           <a:p>
             <a:fld id="{0717009A-FA0D-4ECA-964B-28F7A3BF0A5C}" type="datetimeFigureOut">
               <a:rPr kumimoji="1" lang="ja-JP" altLang="en-US" smtClean="0"/>
-              <a:t>2021/7/26</a:t>
+              <a:t>2021/7/27</a:t>
             </a:fld>
             <a:endParaRPr kumimoji="1" lang="ja-JP" altLang="en-US"/>
           </a:p>
@@ -3388,7 +3407,7 @@
           <a:p>
             <a:fld id="{0717009A-FA0D-4ECA-964B-28F7A3BF0A5C}" type="datetimeFigureOut">
               <a:rPr kumimoji="1" lang="ja-JP" altLang="en-US" smtClean="0"/>
-              <a:t>2021/7/26</a:t>
+              <a:t>2021/7/27</a:t>
             </a:fld>
             <a:endParaRPr kumimoji="1" lang="ja-JP" altLang="en-US"/>
           </a:p>
@@ -3661,7 +3680,7 @@
           <a:p>
             <a:fld id="{0717009A-FA0D-4ECA-964B-28F7A3BF0A5C}" type="datetimeFigureOut">
               <a:rPr kumimoji="1" lang="ja-JP" altLang="en-US" smtClean="0"/>
-              <a:t>2021/7/26</a:t>
+              <a:t>2021/7/27</a:t>
             </a:fld>
             <a:endParaRPr kumimoji="1" lang="ja-JP" altLang="en-US"/>
           </a:p>
@@ -4080,6 +4099,64 @@
       </p:grpSpPr>
       <p:sp>
         <p:nvSpPr>
+          <p:cNvPr id="2" name="タイトル 1"/>
+          <p:cNvSpPr>
+            <a:spLocks noGrp="1"/>
+          </p:cNvSpPr>
+          <p:nvPr>
+            <p:ph type="title"/>
+          </p:nvPr>
+        </p:nvSpPr>
+        <p:spPr>
+          <a:xfrm>
+            <a:off x="1060037" y="2513154"/>
+            <a:ext cx="9696337" cy="1325563"/>
+          </a:xfrm>
+        </p:spPr>
+        <p:txBody>
+          <a:bodyPr/>
+          <a:lstStyle/>
+          <a:p>
+            <a:r>
+              <a:rPr lang="ja-JP" altLang="en-US" dirty="0" smtClean="0"/>
+              <a:t>剛性と固有変形の関係を調べるためのソリッドモデル</a:t>
+            </a:r>
+            <a:endParaRPr kumimoji="1" lang="ja-JP" altLang="en-US" dirty="0"/>
+          </a:p>
+        </p:txBody>
+      </p:sp>
+    </p:spTree>
+    <p:extLst>
+      <p:ext uri="{BB962C8B-B14F-4D97-AF65-F5344CB8AC3E}">
+        <p14:creationId xmlns:p14="http://schemas.microsoft.com/office/powerpoint/2010/main" val="2228708755"/>
+      </p:ext>
+    </p:extLst>
+  </p:cSld>
+  <p:clrMapOvr>
+    <a:masterClrMapping/>
+  </p:clrMapOvr>
+</p:sld>
+</file>
+
+<file path=ppt/slides/slide2.xml><?xml version="1.0" encoding="utf-8"?>
+<p:sld xmlns:a="http://schemas.openxmlformats.org/drawingml/2006/main" xmlns:r="http://schemas.openxmlformats.org/officeDocument/2006/relationships" xmlns:p="http://schemas.openxmlformats.org/presentationml/2006/main">
+  <p:cSld>
+    <p:spTree>
+      <p:nvGrpSpPr>
+        <p:cNvPr id="1" name=""/>
+        <p:cNvGrpSpPr/>
+        <p:nvPr/>
+      </p:nvGrpSpPr>
+      <p:grpSpPr>
+        <a:xfrm>
+          <a:off x="0" y="0"/>
+          <a:ext cx="0" cy="0"/>
+          <a:chOff x="0" y="0"/>
+          <a:chExt cx="0" cy="0"/>
+        </a:xfrm>
+      </p:grpSpPr>
+      <p:sp>
+        <p:nvSpPr>
           <p:cNvPr id="19" name="タイトル 1">
             <a:extLst>
               <a:ext uri="{FF2B5EF4-FFF2-40B4-BE49-F238E27FC236}">
@@ -4247,7 +4324,7 @@
           <p:nvPr>
             <p:extLst>
               <p:ext uri="{D42A27DB-BD31-4B8C-83A1-F6EECF244321}">
-                <p14:modId xmlns:p14="http://schemas.microsoft.com/office/powerpoint/2010/main" val="2865407185"/>
+                <p14:modId xmlns:p14="http://schemas.microsoft.com/office/powerpoint/2010/main" val="1516292035"/>
               </p:ext>
             </p:extLst>
           </p:nvPr>
@@ -4335,6 +4412,10 @@
                     <a:bodyPr/>
                     <a:lstStyle/>
                     <a:p>
+                      <a:r>
+                        <a:rPr kumimoji="1" lang="en-US" altLang="ja-JP" dirty="0" smtClean="0"/>
+                        <a:t>2</a:t>
+                      </a:r>
                       <a:endParaRPr kumimoji="1" lang="ja-JP" altLang="en-US" dirty="0"/>
                     </a:p>
                   </a:txBody>
@@ -4366,6 +4447,10 @@
                     <a:bodyPr/>
                     <a:lstStyle/>
                     <a:p>
+                      <a:r>
+                        <a:rPr kumimoji="1" lang="en-US" altLang="ja-JP" dirty="0" smtClean="0"/>
+                        <a:t>4</a:t>
+                      </a:r>
                       <a:endParaRPr kumimoji="1" lang="ja-JP" altLang="en-US" dirty="0"/>
                     </a:p>
                   </a:txBody>
@@ -4397,6 +4482,10 @@
                     <a:bodyPr/>
                     <a:lstStyle/>
                     <a:p>
+                      <a:r>
+                        <a:rPr kumimoji="1" lang="en-US" altLang="ja-JP" dirty="0" smtClean="0"/>
+                        <a:t>6</a:t>
+                      </a:r>
                       <a:endParaRPr kumimoji="1" lang="ja-JP" altLang="en-US" dirty="0"/>
                     </a:p>
                   </a:txBody>
@@ -4428,6 +4517,10 @@
                     <a:bodyPr/>
                     <a:lstStyle/>
                     <a:p>
+                      <a:r>
+                        <a:rPr kumimoji="1" lang="en-US" altLang="ja-JP" dirty="0" smtClean="0"/>
+                        <a:t>8</a:t>
+                      </a:r>
                       <a:endParaRPr kumimoji="1" lang="ja-JP" altLang="en-US" dirty="0"/>
                     </a:p>
                   </a:txBody>
@@ -4459,6 +4552,10 @@
                     <a:bodyPr/>
                     <a:lstStyle/>
                     <a:p>
+                      <a:r>
+                        <a:rPr kumimoji="1" lang="en-US" altLang="ja-JP" dirty="0" smtClean="0"/>
+                        <a:t>10</a:t>
+                      </a:r>
                       <a:endParaRPr kumimoji="1" lang="ja-JP" altLang="en-US" dirty="0"/>
                     </a:p>
                   </a:txBody>
@@ -6671,48 +6768,6 @@
       </p:grpSp>
       <p:sp>
         <p:nvSpPr>
-          <p:cNvPr id="39" name="テキスト ボックス 38">
-            <a:extLst>
-              <a:ext uri="{FF2B5EF4-FFF2-40B4-BE49-F238E27FC236}">
-                <a16:creationId xmlns:a16="http://schemas.microsoft.com/office/drawing/2014/main" id="{1C44907D-6522-4511-AE09-264D6E399ABA}"/>
-              </a:ext>
-            </a:extLst>
-          </p:cNvPr>
-          <p:cNvSpPr txBox="1"/>
-          <p:nvPr/>
-        </p:nvSpPr>
-        <p:spPr>
-          <a:xfrm>
-            <a:off x="4236220" y="5446948"/>
-            <a:ext cx="2299027" cy="646331"/>
-          </a:xfrm>
-          <a:prstGeom prst="rect">
-            <a:avLst/>
-          </a:prstGeom>
-          <a:noFill/>
-        </p:spPr>
-        <p:txBody>
-          <a:bodyPr wrap="none" rtlCol="0">
-            <a:spAutoFit/>
-          </a:bodyPr>
-          <a:lstStyle/>
-          <a:p>
-            <a:r>
-              <a:rPr kumimoji="1" lang="en-US" altLang="ja-JP" dirty="0"/>
-              <a:t>Create point extract</a:t>
-            </a:r>
-          </a:p>
-          <a:p>
-            <a:r>
-              <a:rPr lang="en-US" altLang="ja-JP" dirty="0"/>
-              <a:t>Edit Curve break</a:t>
-            </a:r>
-            <a:endParaRPr kumimoji="1" lang="ja-JP" altLang="en-US" dirty="0"/>
-          </a:p>
-        </p:txBody>
-      </p:sp>
-      <p:sp>
-        <p:nvSpPr>
           <p:cNvPr id="129" name="テキスト ボックス 128">
             <a:extLst>
               <a:ext uri="{FF2B5EF4-FFF2-40B4-BE49-F238E27FC236}">
@@ -7854,7 +7909,7 @@
 </p:sld>
 </file>
 
-<file path=ppt/slides/slide2.xml><?xml version="1.0" encoding="utf-8"?>
+<file path=ppt/slides/slide3.xml><?xml version="1.0" encoding="utf-8"?>
 <p:sld xmlns:a="http://schemas.openxmlformats.org/drawingml/2006/main" xmlns:r="http://schemas.openxmlformats.org/officeDocument/2006/relationships" xmlns:p="http://schemas.openxmlformats.org/presentationml/2006/main">
   <p:cSld>
     <p:spTree>

--- a/剛性計算用ソリッドモデル.pptx
+++ b/剛性計算用ソリッドモデル.pptx
@@ -199,7 +199,7 @@
           <a:p>
             <a:fld id="{EDFC2F0E-94A4-4BAC-960E-9D8383AAFDB5}" type="datetimeFigureOut">
               <a:rPr kumimoji="1" lang="ja-JP" altLang="en-US" smtClean="0"/>
-              <a:t>2021/7/27</a:t>
+              <a:t>2021/7/28</a:t>
             </a:fld>
             <a:endParaRPr kumimoji="1" lang="ja-JP" altLang="en-US"/>
           </a:p>
@@ -742,7 +742,7 @@
           <a:p>
             <a:fld id="{0717009A-FA0D-4ECA-964B-28F7A3BF0A5C}" type="datetimeFigureOut">
               <a:rPr kumimoji="1" lang="ja-JP" altLang="en-US" smtClean="0"/>
-              <a:t>2021/7/27</a:t>
+              <a:t>2021/7/28</a:t>
             </a:fld>
             <a:endParaRPr kumimoji="1" lang="ja-JP" altLang="en-US"/>
           </a:p>
@@ -972,7 +972,7 @@
           <a:p>
             <a:fld id="{0717009A-FA0D-4ECA-964B-28F7A3BF0A5C}" type="datetimeFigureOut">
               <a:rPr kumimoji="1" lang="ja-JP" altLang="en-US" smtClean="0"/>
-              <a:t>2021/7/27</a:t>
+              <a:t>2021/7/28</a:t>
             </a:fld>
             <a:endParaRPr kumimoji="1" lang="ja-JP" altLang="en-US"/>
           </a:p>
@@ -1212,7 +1212,7 @@
           <a:p>
             <a:fld id="{0717009A-FA0D-4ECA-964B-28F7A3BF0A5C}" type="datetimeFigureOut">
               <a:rPr kumimoji="1" lang="ja-JP" altLang="en-US" smtClean="0"/>
-              <a:t>2021/7/27</a:t>
+              <a:t>2021/7/28</a:t>
             </a:fld>
             <a:endParaRPr kumimoji="1" lang="ja-JP" altLang="en-US"/>
           </a:p>
@@ -1442,7 +1442,7 @@
           <a:p>
             <a:fld id="{0717009A-FA0D-4ECA-964B-28F7A3BF0A5C}" type="datetimeFigureOut">
               <a:rPr kumimoji="1" lang="ja-JP" altLang="en-US" smtClean="0"/>
-              <a:t>2021/7/27</a:t>
+              <a:t>2021/7/28</a:t>
             </a:fld>
             <a:endParaRPr kumimoji="1" lang="ja-JP" altLang="en-US"/>
           </a:p>
@@ -1717,7 +1717,7 @@
           <a:p>
             <a:fld id="{0717009A-FA0D-4ECA-964B-28F7A3BF0A5C}" type="datetimeFigureOut">
               <a:rPr kumimoji="1" lang="ja-JP" altLang="en-US" smtClean="0"/>
-              <a:t>2021/7/27</a:t>
+              <a:t>2021/7/28</a:t>
             </a:fld>
             <a:endParaRPr kumimoji="1" lang="ja-JP" altLang="en-US"/>
           </a:p>
@@ -2046,7 +2046,7 @@
           <a:p>
             <a:fld id="{0717009A-FA0D-4ECA-964B-28F7A3BF0A5C}" type="datetimeFigureOut">
               <a:rPr kumimoji="1" lang="ja-JP" altLang="en-US" smtClean="0"/>
-              <a:t>2021/7/27</a:t>
+              <a:t>2021/7/28</a:t>
             </a:fld>
             <a:endParaRPr kumimoji="1" lang="ja-JP" altLang="en-US"/>
           </a:p>
@@ -2522,7 +2522,7 @@
           <a:p>
             <a:fld id="{0717009A-FA0D-4ECA-964B-28F7A3BF0A5C}" type="datetimeFigureOut">
               <a:rPr kumimoji="1" lang="ja-JP" altLang="en-US" smtClean="0"/>
-              <a:t>2021/7/27</a:t>
+              <a:t>2021/7/28</a:t>
             </a:fld>
             <a:endParaRPr kumimoji="1" lang="ja-JP" altLang="en-US"/>
           </a:p>
@@ -2663,7 +2663,7 @@
           <a:p>
             <a:fld id="{0717009A-FA0D-4ECA-964B-28F7A3BF0A5C}" type="datetimeFigureOut">
               <a:rPr kumimoji="1" lang="ja-JP" altLang="en-US" smtClean="0"/>
-              <a:t>2021/7/27</a:t>
+              <a:t>2021/7/28</a:t>
             </a:fld>
             <a:endParaRPr kumimoji="1" lang="ja-JP" altLang="en-US"/>
           </a:p>
@@ -2776,7 +2776,7 @@
           <a:p>
             <a:fld id="{0717009A-FA0D-4ECA-964B-28F7A3BF0A5C}" type="datetimeFigureOut">
               <a:rPr kumimoji="1" lang="ja-JP" altLang="en-US" smtClean="0"/>
-              <a:t>2021/7/27</a:t>
+              <a:t>2021/7/28</a:t>
             </a:fld>
             <a:endParaRPr kumimoji="1" lang="ja-JP" altLang="en-US"/>
           </a:p>
@@ -3119,7 +3119,7 @@
           <a:p>
             <a:fld id="{0717009A-FA0D-4ECA-964B-28F7A3BF0A5C}" type="datetimeFigureOut">
               <a:rPr kumimoji="1" lang="ja-JP" altLang="en-US" smtClean="0"/>
-              <a:t>2021/7/27</a:t>
+              <a:t>2021/7/28</a:t>
             </a:fld>
             <a:endParaRPr kumimoji="1" lang="ja-JP" altLang="en-US"/>
           </a:p>
@@ -3407,7 +3407,7 @@
           <a:p>
             <a:fld id="{0717009A-FA0D-4ECA-964B-28F7A3BF0A5C}" type="datetimeFigureOut">
               <a:rPr kumimoji="1" lang="ja-JP" altLang="en-US" smtClean="0"/>
-              <a:t>2021/7/27</a:t>
+              <a:t>2021/7/28</a:t>
             </a:fld>
             <a:endParaRPr kumimoji="1" lang="ja-JP" altLang="en-US"/>
           </a:p>
@@ -3680,7 +3680,7 @@
           <a:p>
             <a:fld id="{0717009A-FA0D-4ECA-964B-28F7A3BF0A5C}" type="datetimeFigureOut">
               <a:rPr kumimoji="1" lang="ja-JP" altLang="en-US" smtClean="0"/>
-              <a:t>2021/7/27</a:t>
+              <a:t>2021/7/28</a:t>
             </a:fld>
             <a:endParaRPr kumimoji="1" lang="ja-JP" altLang="en-US"/>
           </a:p>
@@ -5593,7 +5593,7 @@
             </p:nvSpPr>
             <p:spPr>
               <a:xfrm>
-                <a:off x="2910799" y="1923336"/>
+                <a:off x="2910799" y="1695260"/>
                 <a:ext cx="699967" cy="276999"/>
               </a:xfrm>
               <a:prstGeom prst="rect">
@@ -7896,6 +7896,692 @@
           </a:p>
         </p:txBody>
       </p:sp>
+      <p:cxnSp>
+        <p:nvCxnSpPr>
+          <p:cNvPr id="89" name="直線コネクタ 88">
+            <a:extLst>
+              <a:ext uri="{FF2B5EF4-FFF2-40B4-BE49-F238E27FC236}">
+                <a16:creationId xmlns:a16="http://schemas.microsoft.com/office/drawing/2014/main" id="{FE8495EA-0030-4616-B401-47D1E9DFE298}"/>
+              </a:ext>
+            </a:extLst>
+          </p:cNvPr>
+          <p:cNvCxnSpPr>
+            <a:cxnSpLocks/>
+          </p:cNvCxnSpPr>
+          <p:nvPr/>
+        </p:nvCxnSpPr>
+        <p:spPr>
+          <a:xfrm>
+            <a:off x="1393747" y="1754068"/>
+            <a:ext cx="3056686" cy="0"/>
+          </a:xfrm>
+          <a:prstGeom prst="line">
+            <a:avLst/>
+          </a:prstGeom>
+          <a:ln w="9525" cap="flat" cmpd="sng" algn="ctr">
+            <a:solidFill>
+              <a:schemeClr val="dk1"/>
+            </a:solidFill>
+            <a:prstDash val="dash"/>
+            <a:round/>
+            <a:headEnd type="none" w="med" len="med"/>
+            <a:tailEnd type="none" w="med" len="med"/>
+          </a:ln>
+        </p:spPr>
+        <p:style>
+          <a:lnRef idx="0">
+            <a:scrgbClr r="0" g="0" b="0"/>
+          </a:lnRef>
+          <a:fillRef idx="0">
+            <a:scrgbClr r="0" g="0" b="0"/>
+          </a:fillRef>
+          <a:effectRef idx="0">
+            <a:scrgbClr r="0" g="0" b="0"/>
+          </a:effectRef>
+          <a:fontRef idx="minor">
+            <a:schemeClr val="tx1"/>
+          </a:fontRef>
+        </p:style>
+      </p:cxnSp>
+      <p:sp>
+        <p:nvSpPr>
+          <p:cNvPr id="90" name="テキスト ボックス 89">
+            <a:extLst>
+              <a:ext uri="{FF2B5EF4-FFF2-40B4-BE49-F238E27FC236}">
+                <a16:creationId xmlns:a16="http://schemas.microsoft.com/office/drawing/2014/main" id="{053D177E-61C7-4BCB-A63A-60D3C7A0607A}"/>
+              </a:ext>
+            </a:extLst>
+          </p:cNvPr>
+          <p:cNvSpPr txBox="1"/>
+          <p:nvPr/>
+        </p:nvSpPr>
+        <p:spPr>
+          <a:xfrm>
+            <a:off x="3435220" y="1742549"/>
+            <a:ext cx="699967" cy="276999"/>
+          </a:xfrm>
+          <a:prstGeom prst="rect">
+            <a:avLst/>
+          </a:prstGeom>
+          <a:noFill/>
+        </p:spPr>
+        <p:txBody>
+          <a:bodyPr wrap="square" rtlCol="0">
+            <a:spAutoFit/>
+          </a:bodyPr>
+          <a:lstStyle/>
+          <a:p>
+            <a:r>
+              <a:rPr lang="en-US" altLang="ja-JP" sz="1200" dirty="0" smtClean="0">
+                <a:solidFill>
+                  <a:srgbClr val="00B050"/>
+                </a:solidFill>
+              </a:rPr>
+              <a:t>3.3</a:t>
+            </a:r>
+            <a:r>
+              <a:rPr lang="en-US" altLang="ja-JP" sz="1200" dirty="0" smtClean="0">
+                <a:solidFill>
+                  <a:srgbClr val="00B050"/>
+                </a:solidFill>
+              </a:rPr>
+              <a:t>mm</a:t>
+            </a:r>
+            <a:endParaRPr lang="ja-JP" altLang="en-US" sz="1200" dirty="0">
+              <a:solidFill>
+                <a:srgbClr val="00B050"/>
+              </a:solidFill>
+            </a:endParaRPr>
+          </a:p>
+        </p:txBody>
+      </p:sp>
+      <p:cxnSp>
+        <p:nvCxnSpPr>
+          <p:cNvPr id="167" name="直線コネクタ 166">
+            <a:extLst>
+              <a:ext uri="{FF2B5EF4-FFF2-40B4-BE49-F238E27FC236}">
+                <a16:creationId xmlns:a16="http://schemas.microsoft.com/office/drawing/2014/main" id="{FE8495EA-0030-4616-B401-47D1E9DFE298}"/>
+              </a:ext>
+            </a:extLst>
+          </p:cNvPr>
+          <p:cNvCxnSpPr>
+            <a:cxnSpLocks/>
+          </p:cNvCxnSpPr>
+          <p:nvPr/>
+        </p:nvCxnSpPr>
+        <p:spPr>
+          <a:xfrm>
+            <a:off x="1388937" y="1479027"/>
+            <a:ext cx="3056686" cy="0"/>
+          </a:xfrm>
+          <a:prstGeom prst="line">
+            <a:avLst/>
+          </a:prstGeom>
+          <a:ln w="9525" cap="flat" cmpd="sng" algn="ctr">
+            <a:solidFill>
+              <a:schemeClr val="dk1"/>
+            </a:solidFill>
+            <a:prstDash val="dash"/>
+            <a:round/>
+            <a:headEnd type="none" w="med" len="med"/>
+            <a:tailEnd type="none" w="med" len="med"/>
+          </a:ln>
+        </p:spPr>
+        <p:style>
+          <a:lnRef idx="0">
+            <a:scrgbClr r="0" g="0" b="0"/>
+          </a:lnRef>
+          <a:fillRef idx="0">
+            <a:scrgbClr r="0" g="0" b="0"/>
+          </a:fillRef>
+          <a:effectRef idx="0">
+            <a:scrgbClr r="0" g="0" b="0"/>
+          </a:effectRef>
+          <a:fontRef idx="minor">
+            <a:schemeClr val="tx1"/>
+          </a:fontRef>
+        </p:style>
+      </p:cxnSp>
+      <p:sp>
+        <p:nvSpPr>
+          <p:cNvPr id="168" name="テキスト ボックス 167">
+            <a:extLst>
+              <a:ext uri="{FF2B5EF4-FFF2-40B4-BE49-F238E27FC236}">
+                <a16:creationId xmlns:a16="http://schemas.microsoft.com/office/drawing/2014/main" id="{053D177E-61C7-4BCB-A63A-60D3C7A0607A}"/>
+              </a:ext>
+            </a:extLst>
+          </p:cNvPr>
+          <p:cNvSpPr txBox="1"/>
+          <p:nvPr/>
+        </p:nvSpPr>
+        <p:spPr>
+          <a:xfrm>
+            <a:off x="3421877" y="1461849"/>
+            <a:ext cx="699967" cy="276999"/>
+          </a:xfrm>
+          <a:prstGeom prst="rect">
+            <a:avLst/>
+          </a:prstGeom>
+          <a:noFill/>
+        </p:spPr>
+        <p:txBody>
+          <a:bodyPr wrap="square" rtlCol="0">
+            <a:spAutoFit/>
+          </a:bodyPr>
+          <a:lstStyle/>
+          <a:p>
+            <a:r>
+              <a:rPr lang="en-US" altLang="ja-JP" sz="1200" dirty="0">
+                <a:solidFill>
+                  <a:srgbClr val="00B050"/>
+                </a:solidFill>
+              </a:rPr>
+              <a:t>5</a:t>
+            </a:r>
+            <a:r>
+              <a:rPr lang="en-US" altLang="ja-JP" sz="1200" dirty="0" smtClean="0">
+                <a:solidFill>
+                  <a:srgbClr val="00B050"/>
+                </a:solidFill>
+              </a:rPr>
+              <a:t>mm</a:t>
+            </a:r>
+            <a:endParaRPr lang="ja-JP" altLang="en-US" sz="1200" dirty="0">
+              <a:solidFill>
+                <a:srgbClr val="00B050"/>
+              </a:solidFill>
+            </a:endParaRPr>
+          </a:p>
+        </p:txBody>
+      </p:sp>
+      <p:cxnSp>
+        <p:nvCxnSpPr>
+          <p:cNvPr id="169" name="直線矢印コネクタ 168">
+            <a:extLst>
+              <a:ext uri="{FF2B5EF4-FFF2-40B4-BE49-F238E27FC236}">
+                <a16:creationId xmlns:a16="http://schemas.microsoft.com/office/drawing/2014/main" id="{0485D962-553D-4655-9E5E-B56E0CE719D3}"/>
+              </a:ext>
+            </a:extLst>
+          </p:cNvPr>
+          <p:cNvCxnSpPr/>
+          <p:nvPr/>
+        </p:nvCxnSpPr>
+        <p:spPr>
+          <a:xfrm>
+            <a:off x="4598786" y="1451411"/>
+            <a:ext cx="0" cy="287437"/>
+          </a:xfrm>
+          <a:prstGeom prst="straightConnector1">
+            <a:avLst/>
+          </a:prstGeom>
+          <a:ln>
+            <a:headEnd type="triangle"/>
+            <a:tailEnd type="triangle"/>
+          </a:ln>
+        </p:spPr>
+        <p:style>
+          <a:lnRef idx="1">
+            <a:schemeClr val="dk1"/>
+          </a:lnRef>
+          <a:fillRef idx="0">
+            <a:schemeClr val="dk1"/>
+          </a:fillRef>
+          <a:effectRef idx="0">
+            <a:schemeClr val="dk1"/>
+          </a:effectRef>
+          <a:fontRef idx="minor">
+            <a:schemeClr val="tx1"/>
+          </a:fontRef>
+        </p:style>
+      </p:cxnSp>
+      <p:cxnSp>
+        <p:nvCxnSpPr>
+          <p:cNvPr id="170" name="直線矢印コネクタ 169">
+            <a:extLst>
+              <a:ext uri="{FF2B5EF4-FFF2-40B4-BE49-F238E27FC236}">
+                <a16:creationId xmlns:a16="http://schemas.microsoft.com/office/drawing/2014/main" id="{0485D962-553D-4655-9E5E-B56E0CE719D3}"/>
+              </a:ext>
+            </a:extLst>
+          </p:cNvPr>
+          <p:cNvCxnSpPr/>
+          <p:nvPr/>
+        </p:nvCxnSpPr>
+        <p:spPr>
+          <a:xfrm>
+            <a:off x="4608327" y="1754068"/>
+            <a:ext cx="0" cy="287437"/>
+          </a:xfrm>
+          <a:prstGeom prst="straightConnector1">
+            <a:avLst/>
+          </a:prstGeom>
+          <a:ln>
+            <a:headEnd type="triangle"/>
+            <a:tailEnd type="triangle"/>
+          </a:ln>
+        </p:spPr>
+        <p:style>
+          <a:lnRef idx="1">
+            <a:schemeClr val="dk1"/>
+          </a:lnRef>
+          <a:fillRef idx="0">
+            <a:schemeClr val="dk1"/>
+          </a:fillRef>
+          <a:effectRef idx="0">
+            <a:schemeClr val="dk1"/>
+          </a:effectRef>
+          <a:fontRef idx="minor">
+            <a:schemeClr val="tx1"/>
+          </a:fontRef>
+        </p:style>
+      </p:cxnSp>
+      <p:sp>
+        <p:nvSpPr>
+          <p:cNvPr id="171" name="テキスト ボックス 170">
+            <a:extLst>
+              <a:ext uri="{FF2B5EF4-FFF2-40B4-BE49-F238E27FC236}">
+                <a16:creationId xmlns:a16="http://schemas.microsoft.com/office/drawing/2014/main" id="{F001FA36-AC1F-4CD8-A027-75C6F9AA98A5}"/>
+              </a:ext>
+            </a:extLst>
+          </p:cNvPr>
+          <p:cNvSpPr txBox="1"/>
+          <p:nvPr/>
+        </p:nvSpPr>
+        <p:spPr>
+          <a:xfrm>
+            <a:off x="7811663" y="3196167"/>
+            <a:ext cx="511679" cy="230832"/>
+          </a:xfrm>
+          <a:prstGeom prst="rect">
+            <a:avLst/>
+          </a:prstGeom>
+          <a:noFill/>
+        </p:spPr>
+        <p:txBody>
+          <a:bodyPr wrap="none" rtlCol="0">
+            <a:spAutoFit/>
+          </a:bodyPr>
+          <a:lstStyle/>
+          <a:p>
+            <a:r>
+              <a:rPr lang="en-US" altLang="ja-JP" sz="900" dirty="0" smtClean="0"/>
+              <a:t>10mm</a:t>
+            </a:r>
+            <a:endParaRPr lang="ja-JP" altLang="en-US" sz="900" dirty="0"/>
+          </a:p>
+        </p:txBody>
+      </p:sp>
+      <p:sp>
+        <p:nvSpPr>
+          <p:cNvPr id="172" name="テキスト ボックス 171">
+            <a:extLst>
+              <a:ext uri="{FF2B5EF4-FFF2-40B4-BE49-F238E27FC236}">
+                <a16:creationId xmlns:a16="http://schemas.microsoft.com/office/drawing/2014/main" id="{F001FA36-AC1F-4CD8-A027-75C6F9AA98A5}"/>
+              </a:ext>
+            </a:extLst>
+          </p:cNvPr>
+          <p:cNvSpPr txBox="1"/>
+          <p:nvPr/>
+        </p:nvSpPr>
+        <p:spPr>
+          <a:xfrm>
+            <a:off x="4578870" y="1461848"/>
+            <a:ext cx="620683" cy="276999"/>
+          </a:xfrm>
+          <a:prstGeom prst="rect">
+            <a:avLst/>
+          </a:prstGeom>
+          <a:noFill/>
+        </p:spPr>
+        <p:txBody>
+          <a:bodyPr wrap="none" rtlCol="0">
+            <a:spAutoFit/>
+          </a:bodyPr>
+          <a:lstStyle/>
+          <a:p>
+            <a:r>
+              <a:rPr lang="en-US" altLang="ja-JP" sz="1200" dirty="0" smtClean="0"/>
+              <a:t>10mm</a:t>
+            </a:r>
+            <a:endParaRPr lang="ja-JP" altLang="en-US" sz="1200" dirty="0"/>
+          </a:p>
+        </p:txBody>
+      </p:sp>
+      <p:sp>
+        <p:nvSpPr>
+          <p:cNvPr id="173" name="楕円 172">
+            <a:extLst>
+              <a:ext uri="{FF2B5EF4-FFF2-40B4-BE49-F238E27FC236}">
+                <a16:creationId xmlns:a16="http://schemas.microsoft.com/office/drawing/2014/main" id="{60063CDA-C035-495F-8E70-4ABCCC685021}"/>
+              </a:ext>
+            </a:extLst>
+          </p:cNvPr>
+          <p:cNvSpPr/>
+          <p:nvPr/>
+        </p:nvSpPr>
+        <p:spPr>
+          <a:xfrm>
+            <a:off x="7894662" y="3735992"/>
+            <a:ext cx="105986" cy="116141"/>
+          </a:xfrm>
+          <a:prstGeom prst="ellipse">
+            <a:avLst/>
+          </a:prstGeom>
+        </p:spPr>
+        <p:style>
+          <a:lnRef idx="2">
+            <a:schemeClr val="dk1">
+              <a:shade val="50000"/>
+            </a:schemeClr>
+          </a:lnRef>
+          <a:fillRef idx="1">
+            <a:schemeClr val="dk1"/>
+          </a:fillRef>
+          <a:effectRef idx="0">
+            <a:schemeClr val="dk1"/>
+          </a:effectRef>
+          <a:fontRef idx="minor">
+            <a:schemeClr val="lt1"/>
+          </a:fontRef>
+        </p:style>
+        <p:txBody>
+          <a:bodyPr rtlCol="0" anchor="ctr"/>
+          <a:lstStyle/>
+          <a:p>
+            <a:pPr algn="ctr"/>
+            <a:endParaRPr kumimoji="1" lang="ja-JP" altLang="en-US"/>
+          </a:p>
+        </p:txBody>
+      </p:sp>
+      <p:sp>
+        <p:nvSpPr>
+          <p:cNvPr id="174" name="楕円 173">
+            <a:extLst>
+              <a:ext uri="{FF2B5EF4-FFF2-40B4-BE49-F238E27FC236}">
+                <a16:creationId xmlns:a16="http://schemas.microsoft.com/office/drawing/2014/main" id="{60063CDA-C035-495F-8E70-4ABCCC685021}"/>
+              </a:ext>
+            </a:extLst>
+          </p:cNvPr>
+          <p:cNvSpPr/>
+          <p:nvPr/>
+        </p:nvSpPr>
+        <p:spPr>
+          <a:xfrm>
+            <a:off x="7569670" y="3722879"/>
+            <a:ext cx="105986" cy="116141"/>
+          </a:xfrm>
+          <a:prstGeom prst="ellipse">
+            <a:avLst/>
+          </a:prstGeom>
+        </p:spPr>
+        <p:style>
+          <a:lnRef idx="2">
+            <a:schemeClr val="dk1">
+              <a:shade val="50000"/>
+            </a:schemeClr>
+          </a:lnRef>
+          <a:fillRef idx="1">
+            <a:schemeClr val="dk1"/>
+          </a:fillRef>
+          <a:effectRef idx="0">
+            <a:schemeClr val="dk1"/>
+          </a:effectRef>
+          <a:fontRef idx="minor">
+            <a:schemeClr val="lt1"/>
+          </a:fontRef>
+        </p:style>
+        <p:txBody>
+          <a:bodyPr rtlCol="0" anchor="ctr"/>
+          <a:lstStyle/>
+          <a:p>
+            <a:pPr algn="ctr"/>
+            <a:endParaRPr kumimoji="1" lang="ja-JP" altLang="en-US"/>
+          </a:p>
+        </p:txBody>
+      </p:sp>
+      <p:sp>
+        <p:nvSpPr>
+          <p:cNvPr id="175" name="楕円 174">
+            <a:extLst>
+              <a:ext uri="{FF2B5EF4-FFF2-40B4-BE49-F238E27FC236}">
+                <a16:creationId xmlns:a16="http://schemas.microsoft.com/office/drawing/2014/main" id="{60063CDA-C035-495F-8E70-4ABCCC685021}"/>
+              </a:ext>
+            </a:extLst>
+          </p:cNvPr>
+          <p:cNvSpPr/>
+          <p:nvPr/>
+        </p:nvSpPr>
+        <p:spPr>
+          <a:xfrm>
+            <a:off x="7913805" y="4305429"/>
+            <a:ext cx="105986" cy="116141"/>
+          </a:xfrm>
+          <a:prstGeom prst="ellipse">
+            <a:avLst/>
+          </a:prstGeom>
+        </p:spPr>
+        <p:style>
+          <a:lnRef idx="2">
+            <a:schemeClr val="dk1">
+              <a:shade val="50000"/>
+            </a:schemeClr>
+          </a:lnRef>
+          <a:fillRef idx="1">
+            <a:schemeClr val="dk1"/>
+          </a:fillRef>
+          <a:effectRef idx="0">
+            <a:schemeClr val="dk1"/>
+          </a:effectRef>
+          <a:fontRef idx="minor">
+            <a:schemeClr val="lt1"/>
+          </a:fontRef>
+        </p:style>
+        <p:txBody>
+          <a:bodyPr rtlCol="0" anchor="ctr"/>
+          <a:lstStyle/>
+          <a:p>
+            <a:pPr algn="ctr"/>
+            <a:endParaRPr kumimoji="1" lang="ja-JP" altLang="en-US"/>
+          </a:p>
+        </p:txBody>
+      </p:sp>
+      <p:sp>
+        <p:nvSpPr>
+          <p:cNvPr id="176" name="楕円 175">
+            <a:extLst>
+              <a:ext uri="{FF2B5EF4-FFF2-40B4-BE49-F238E27FC236}">
+                <a16:creationId xmlns:a16="http://schemas.microsoft.com/office/drawing/2014/main" id="{60063CDA-C035-495F-8E70-4ABCCC685021}"/>
+              </a:ext>
+            </a:extLst>
+          </p:cNvPr>
+          <p:cNvSpPr/>
+          <p:nvPr/>
+        </p:nvSpPr>
+        <p:spPr>
+          <a:xfrm>
+            <a:off x="7622897" y="4325610"/>
+            <a:ext cx="105986" cy="116141"/>
+          </a:xfrm>
+          <a:prstGeom prst="ellipse">
+            <a:avLst/>
+          </a:prstGeom>
+        </p:spPr>
+        <p:style>
+          <a:lnRef idx="2">
+            <a:schemeClr val="dk1">
+              <a:shade val="50000"/>
+            </a:schemeClr>
+          </a:lnRef>
+          <a:fillRef idx="1">
+            <a:schemeClr val="dk1"/>
+          </a:fillRef>
+          <a:effectRef idx="0">
+            <a:schemeClr val="dk1"/>
+          </a:effectRef>
+          <a:fontRef idx="minor">
+            <a:schemeClr val="lt1"/>
+          </a:fontRef>
+        </p:style>
+        <p:txBody>
+          <a:bodyPr rtlCol="0" anchor="ctr"/>
+          <a:lstStyle/>
+          <a:p>
+            <a:pPr algn="ctr"/>
+            <a:endParaRPr kumimoji="1" lang="ja-JP" altLang="en-US"/>
+          </a:p>
+        </p:txBody>
+      </p:sp>
+      <p:sp>
+        <p:nvSpPr>
+          <p:cNvPr id="177" name="テキスト ボックス 176">
+            <a:extLst>
+              <a:ext uri="{FF2B5EF4-FFF2-40B4-BE49-F238E27FC236}">
+                <a16:creationId xmlns:a16="http://schemas.microsoft.com/office/drawing/2014/main" id="{F001FA36-AC1F-4CD8-A027-75C6F9AA98A5}"/>
+              </a:ext>
+            </a:extLst>
+          </p:cNvPr>
+          <p:cNvSpPr txBox="1"/>
+          <p:nvPr/>
+        </p:nvSpPr>
+        <p:spPr>
+          <a:xfrm>
+            <a:off x="4618703" y="1731639"/>
+            <a:ext cx="620683" cy="276999"/>
+          </a:xfrm>
+          <a:prstGeom prst="rect">
+            <a:avLst/>
+          </a:prstGeom>
+          <a:noFill/>
+        </p:spPr>
+        <p:txBody>
+          <a:bodyPr wrap="none" rtlCol="0">
+            <a:spAutoFit/>
+          </a:bodyPr>
+          <a:lstStyle/>
+          <a:p>
+            <a:r>
+              <a:rPr lang="en-US" altLang="ja-JP" sz="1200" dirty="0" smtClean="0"/>
+              <a:t>10mm</a:t>
+            </a:r>
+            <a:endParaRPr lang="ja-JP" altLang="en-US" sz="1200" dirty="0"/>
+          </a:p>
+        </p:txBody>
+      </p:sp>
+      <p:sp>
+        <p:nvSpPr>
+          <p:cNvPr id="178" name="テキスト ボックス 177">
+            <a:extLst>
+              <a:ext uri="{FF2B5EF4-FFF2-40B4-BE49-F238E27FC236}">
+                <a16:creationId xmlns:a16="http://schemas.microsoft.com/office/drawing/2014/main" id="{F001FA36-AC1F-4CD8-A027-75C6F9AA98A5}"/>
+              </a:ext>
+            </a:extLst>
+          </p:cNvPr>
+          <p:cNvSpPr txBox="1"/>
+          <p:nvPr/>
+        </p:nvSpPr>
+        <p:spPr>
+          <a:xfrm>
+            <a:off x="7454223" y="3196499"/>
+            <a:ext cx="511679" cy="230832"/>
+          </a:xfrm>
+          <a:prstGeom prst="rect">
+            <a:avLst/>
+          </a:prstGeom>
+          <a:noFill/>
+        </p:spPr>
+        <p:txBody>
+          <a:bodyPr wrap="none" rtlCol="0">
+            <a:spAutoFit/>
+          </a:bodyPr>
+          <a:lstStyle/>
+          <a:p>
+            <a:r>
+              <a:rPr lang="en-US" altLang="ja-JP" sz="900" dirty="0" smtClean="0"/>
+              <a:t>10mm</a:t>
+            </a:r>
+            <a:endParaRPr lang="ja-JP" altLang="en-US" sz="900" dirty="0"/>
+          </a:p>
+        </p:txBody>
+      </p:sp>
+      <p:cxnSp>
+        <p:nvCxnSpPr>
+          <p:cNvPr id="179" name="直線矢印コネクタ 178">
+            <a:extLst>
+              <a:ext uri="{FF2B5EF4-FFF2-40B4-BE49-F238E27FC236}">
+                <a16:creationId xmlns:a16="http://schemas.microsoft.com/office/drawing/2014/main" id="{0485D962-553D-4655-9E5E-B56E0CE719D3}"/>
+              </a:ext>
+            </a:extLst>
+          </p:cNvPr>
+          <p:cNvCxnSpPr/>
+          <p:nvPr/>
+        </p:nvCxnSpPr>
+        <p:spPr>
+          <a:xfrm flipH="1">
+            <a:off x="7906549" y="3478122"/>
+            <a:ext cx="321905" cy="0"/>
+          </a:xfrm>
+          <a:prstGeom prst="straightConnector1">
+            <a:avLst/>
+          </a:prstGeom>
+          <a:ln>
+            <a:headEnd type="triangle"/>
+            <a:tailEnd type="triangle"/>
+          </a:ln>
+        </p:spPr>
+        <p:style>
+          <a:lnRef idx="1">
+            <a:schemeClr val="dk1"/>
+          </a:lnRef>
+          <a:fillRef idx="0">
+            <a:schemeClr val="dk1"/>
+          </a:fillRef>
+          <a:effectRef idx="0">
+            <a:schemeClr val="dk1"/>
+          </a:effectRef>
+          <a:fontRef idx="minor">
+            <a:schemeClr val="tx1"/>
+          </a:fontRef>
+        </p:style>
+      </p:cxnSp>
+      <p:cxnSp>
+        <p:nvCxnSpPr>
+          <p:cNvPr id="180" name="直線矢印コネクタ 179">
+            <a:extLst>
+              <a:ext uri="{FF2B5EF4-FFF2-40B4-BE49-F238E27FC236}">
+                <a16:creationId xmlns:a16="http://schemas.microsoft.com/office/drawing/2014/main" id="{0485D962-553D-4655-9E5E-B56E0CE719D3}"/>
+              </a:ext>
+            </a:extLst>
+          </p:cNvPr>
+          <p:cNvCxnSpPr/>
+          <p:nvPr/>
+        </p:nvCxnSpPr>
+        <p:spPr>
+          <a:xfrm flipH="1">
+            <a:off x="7598928" y="3470487"/>
+            <a:ext cx="321905" cy="0"/>
+          </a:xfrm>
+          <a:prstGeom prst="straightConnector1">
+            <a:avLst/>
+          </a:prstGeom>
+          <a:ln>
+            <a:headEnd type="triangle"/>
+            <a:tailEnd type="triangle"/>
+          </a:ln>
+        </p:spPr>
+        <p:style>
+          <a:lnRef idx="1">
+            <a:schemeClr val="dk1"/>
+          </a:lnRef>
+          <a:fillRef idx="0">
+            <a:schemeClr val="dk1"/>
+          </a:fillRef>
+          <a:effectRef idx="0">
+            <a:schemeClr val="dk1"/>
+          </a:effectRef>
+          <a:fontRef idx="minor">
+            <a:schemeClr val="tx1"/>
+          </a:fontRef>
+        </p:style>
+      </p:cxnSp>
     </p:spTree>
     <p:extLst>
       <p:ext uri="{BB962C8B-B14F-4D97-AF65-F5344CB8AC3E}">
@@ -8583,6 +9269,240 @@
           </a:p>
         </p:txBody>
       </p:sp>
+      <p:cxnSp>
+        <p:nvCxnSpPr>
+          <p:cNvPr id="3" name="直線コネクタ 2"/>
+          <p:cNvCxnSpPr/>
+          <p:nvPr/>
+        </p:nvCxnSpPr>
+        <p:spPr>
+          <a:xfrm>
+            <a:off x="3374995" y="3788021"/>
+            <a:ext cx="5231212" cy="28966"/>
+          </a:xfrm>
+          <a:prstGeom prst="line">
+            <a:avLst/>
+          </a:prstGeom>
+        </p:spPr>
+        <p:style>
+          <a:lnRef idx="3">
+            <a:schemeClr val="dk1"/>
+          </a:lnRef>
+          <a:fillRef idx="0">
+            <a:schemeClr val="dk1"/>
+          </a:fillRef>
+          <a:effectRef idx="2">
+            <a:schemeClr val="dk1"/>
+          </a:effectRef>
+          <a:fontRef idx="minor">
+            <a:schemeClr val="tx1"/>
+          </a:fontRef>
+        </p:style>
+      </p:cxnSp>
+      <p:cxnSp>
+        <p:nvCxnSpPr>
+          <p:cNvPr id="22" name="直線コネクタ 21"/>
+          <p:cNvCxnSpPr/>
+          <p:nvPr/>
+        </p:nvCxnSpPr>
+        <p:spPr>
+          <a:xfrm flipV="1">
+            <a:off x="3445684" y="3987718"/>
+            <a:ext cx="5160523" cy="3149"/>
+          </a:xfrm>
+          <a:prstGeom prst="line">
+            <a:avLst/>
+          </a:prstGeom>
+        </p:spPr>
+        <p:style>
+          <a:lnRef idx="3">
+            <a:schemeClr val="dk1"/>
+          </a:lnRef>
+          <a:fillRef idx="0">
+            <a:schemeClr val="dk1"/>
+          </a:fillRef>
+          <a:effectRef idx="2">
+            <a:schemeClr val="dk1"/>
+          </a:effectRef>
+          <a:fontRef idx="minor">
+            <a:schemeClr val="tx1"/>
+          </a:fontRef>
+        </p:style>
+      </p:cxnSp>
+      <p:cxnSp>
+        <p:nvCxnSpPr>
+          <p:cNvPr id="24" name="直線コネクタ 23"/>
+          <p:cNvCxnSpPr/>
+          <p:nvPr/>
+        </p:nvCxnSpPr>
+        <p:spPr>
+          <a:xfrm>
+            <a:off x="3424350" y="3370662"/>
+            <a:ext cx="5231212" cy="28966"/>
+          </a:xfrm>
+          <a:prstGeom prst="line">
+            <a:avLst/>
+          </a:prstGeom>
+        </p:spPr>
+        <p:style>
+          <a:lnRef idx="3">
+            <a:schemeClr val="dk1"/>
+          </a:lnRef>
+          <a:fillRef idx="0">
+            <a:schemeClr val="dk1"/>
+          </a:fillRef>
+          <a:effectRef idx="2">
+            <a:schemeClr val="dk1"/>
+          </a:effectRef>
+          <a:fontRef idx="minor">
+            <a:schemeClr val="tx1"/>
+          </a:fontRef>
+        </p:style>
+      </p:cxnSp>
+      <p:sp>
+        <p:nvSpPr>
+          <p:cNvPr id="29" name="テキスト ボックス 28">
+            <a:extLst>
+              <a:ext uri="{FF2B5EF4-FFF2-40B4-BE49-F238E27FC236}">
+                <a16:creationId xmlns:a16="http://schemas.microsoft.com/office/drawing/2014/main" id="{A9AC6497-121D-42EB-8C08-F5EE78F8180B}"/>
+              </a:ext>
+            </a:extLst>
+          </p:cNvPr>
+          <p:cNvSpPr txBox="1"/>
+          <p:nvPr/>
+        </p:nvSpPr>
+        <p:spPr>
+          <a:xfrm>
+            <a:off x="7798903" y="3784638"/>
+            <a:ext cx="506870" cy="261610"/>
+          </a:xfrm>
+          <a:prstGeom prst="rect">
+            <a:avLst/>
+          </a:prstGeom>
+          <a:noFill/>
+        </p:spPr>
+        <p:txBody>
+          <a:bodyPr wrap="none" rtlCol="0">
+            <a:spAutoFit/>
+          </a:bodyPr>
+          <a:lstStyle/>
+          <a:p>
+            <a:r>
+              <a:rPr lang="en-US" altLang="ja-JP" sz="1050" dirty="0"/>
+              <a:t>3</a:t>
+            </a:r>
+            <a:r>
+              <a:rPr kumimoji="1" lang="en-US" altLang="ja-JP" sz="1050" dirty="0" smtClean="0"/>
+              <a:t>mm</a:t>
+            </a:r>
+            <a:endParaRPr kumimoji="1" lang="ja-JP" altLang="en-US" sz="1050" dirty="0"/>
+          </a:p>
+        </p:txBody>
+      </p:sp>
+      <p:cxnSp>
+        <p:nvCxnSpPr>
+          <p:cNvPr id="16" name="直線矢印コネクタ 15"/>
+          <p:cNvCxnSpPr/>
+          <p:nvPr/>
+        </p:nvCxnSpPr>
+        <p:spPr>
+          <a:xfrm>
+            <a:off x="8515714" y="3777527"/>
+            <a:ext cx="650" cy="209366"/>
+          </a:xfrm>
+          <a:prstGeom prst="straightConnector1">
+            <a:avLst/>
+          </a:prstGeom>
+          <a:ln>
+            <a:headEnd type="triangle"/>
+            <a:tailEnd type="triangle"/>
+          </a:ln>
+        </p:spPr>
+        <p:style>
+          <a:lnRef idx="1">
+            <a:schemeClr val="dk1"/>
+          </a:lnRef>
+          <a:fillRef idx="0">
+            <a:schemeClr val="dk1"/>
+          </a:fillRef>
+          <a:effectRef idx="0">
+            <a:schemeClr val="dk1"/>
+          </a:effectRef>
+          <a:fontRef idx="minor">
+            <a:schemeClr val="tx1"/>
+          </a:fontRef>
+        </p:style>
+      </p:cxnSp>
+      <p:sp>
+        <p:nvSpPr>
+          <p:cNvPr id="30" name="テキスト ボックス 29">
+            <a:extLst>
+              <a:ext uri="{FF2B5EF4-FFF2-40B4-BE49-F238E27FC236}">
+                <a16:creationId xmlns:a16="http://schemas.microsoft.com/office/drawing/2014/main" id="{A9AC6497-121D-42EB-8C08-F5EE78F8180B}"/>
+              </a:ext>
+            </a:extLst>
+          </p:cNvPr>
+          <p:cNvSpPr txBox="1"/>
+          <p:nvPr/>
+        </p:nvSpPr>
+        <p:spPr>
+          <a:xfrm>
+            <a:off x="7783095" y="3379055"/>
+            <a:ext cx="490840" cy="253916"/>
+          </a:xfrm>
+          <a:prstGeom prst="rect">
+            <a:avLst/>
+          </a:prstGeom>
+          <a:noFill/>
+        </p:spPr>
+        <p:txBody>
+          <a:bodyPr wrap="none" rtlCol="0">
+            <a:spAutoFit/>
+          </a:bodyPr>
+          <a:lstStyle/>
+          <a:p>
+            <a:r>
+              <a:rPr kumimoji="1" lang="en-US" altLang="ja-JP" sz="1050" dirty="0" smtClean="0"/>
+              <a:t>5mm</a:t>
+            </a:r>
+            <a:endParaRPr kumimoji="1" lang="ja-JP" altLang="en-US" sz="1050" dirty="0"/>
+          </a:p>
+        </p:txBody>
+      </p:sp>
+      <p:cxnSp>
+        <p:nvCxnSpPr>
+          <p:cNvPr id="31" name="直線矢印コネクタ 30"/>
+          <p:cNvCxnSpPr/>
+          <p:nvPr/>
+        </p:nvCxnSpPr>
+        <p:spPr>
+          <a:xfrm>
+            <a:off x="8515714" y="3390122"/>
+            <a:ext cx="650" cy="209366"/>
+          </a:xfrm>
+          <a:prstGeom prst="straightConnector1">
+            <a:avLst/>
+          </a:prstGeom>
+          <a:ln>
+            <a:headEnd type="triangle"/>
+            <a:tailEnd type="triangle"/>
+          </a:ln>
+        </p:spPr>
+        <p:style>
+          <a:lnRef idx="1">
+            <a:schemeClr val="dk1"/>
+          </a:lnRef>
+          <a:fillRef idx="0">
+            <a:schemeClr val="dk1"/>
+          </a:fillRef>
+          <a:effectRef idx="0">
+            <a:schemeClr val="dk1"/>
+          </a:effectRef>
+          <a:fontRef idx="minor">
+            <a:schemeClr val="tx1"/>
+          </a:fontRef>
+        </p:style>
+      </p:cxnSp>
     </p:spTree>
     <p:extLst>
       <p:ext uri="{BB962C8B-B14F-4D97-AF65-F5344CB8AC3E}">
